--- a/paper/figures/paper/add_side_label.pptx
+++ b/paper/figures/paper/add_side_label.pptx
@@ -5,13 +5,8 @@
     <p:sldMasterId id="2147483648" r:id="rId1"/>
   </p:sldMasterIdLst>
   <p:sldIdLst>
-    <p:sldId id="256" r:id="rId2"/>
-    <p:sldId id="259" r:id="rId3"/>
-    <p:sldId id="262" r:id="rId4"/>
-    <p:sldId id="258" r:id="rId5"/>
-    <p:sldId id="257" r:id="rId6"/>
-    <p:sldId id="260" r:id="rId7"/>
-    <p:sldId id="261" r:id="rId8"/>
+    <p:sldId id="259" r:id="rId2"/>
+    <p:sldId id="262" r:id="rId3"/>
   </p:sldIdLst>
   <p:sldSz cx="12192000" cy="6858000"/>
   <p:notesSz cx="6858000" cy="9144000"/>
@@ -267,7 +262,7 @@
           <a:p>
             <a:fld id="{3B43BD2E-2AFB-42A2-94A3-6F271528AE67}" type="datetimeFigureOut">
               <a:rPr lang="en-GB" smtClean="0"/>
-              <a:t>18/03/2022</a:t>
+              <a:t>06/04/2022</a:t>
             </a:fld>
             <a:endParaRPr lang="en-GB"/>
           </a:p>
@@ -467,7 +462,7 @@
           <a:p>
             <a:fld id="{3B43BD2E-2AFB-42A2-94A3-6F271528AE67}" type="datetimeFigureOut">
               <a:rPr lang="en-GB" smtClean="0"/>
-              <a:t>18/03/2022</a:t>
+              <a:t>06/04/2022</a:t>
             </a:fld>
             <a:endParaRPr lang="en-GB"/>
           </a:p>
@@ -677,7 +672,7 @@
           <a:p>
             <a:fld id="{3B43BD2E-2AFB-42A2-94A3-6F271528AE67}" type="datetimeFigureOut">
               <a:rPr lang="en-GB" smtClean="0"/>
-              <a:t>18/03/2022</a:t>
+              <a:t>06/04/2022</a:t>
             </a:fld>
             <a:endParaRPr lang="en-GB"/>
           </a:p>
@@ -877,7 +872,7 @@
           <a:p>
             <a:fld id="{3B43BD2E-2AFB-42A2-94A3-6F271528AE67}" type="datetimeFigureOut">
               <a:rPr lang="en-GB" smtClean="0"/>
-              <a:t>18/03/2022</a:t>
+              <a:t>06/04/2022</a:t>
             </a:fld>
             <a:endParaRPr lang="en-GB"/>
           </a:p>
@@ -1153,7 +1148,7 @@
           <a:p>
             <a:fld id="{3B43BD2E-2AFB-42A2-94A3-6F271528AE67}" type="datetimeFigureOut">
               <a:rPr lang="en-GB" smtClean="0"/>
-              <a:t>18/03/2022</a:t>
+              <a:t>06/04/2022</a:t>
             </a:fld>
             <a:endParaRPr lang="en-GB"/>
           </a:p>
@@ -1421,7 +1416,7 @@
           <a:p>
             <a:fld id="{3B43BD2E-2AFB-42A2-94A3-6F271528AE67}" type="datetimeFigureOut">
               <a:rPr lang="en-GB" smtClean="0"/>
-              <a:t>18/03/2022</a:t>
+              <a:t>06/04/2022</a:t>
             </a:fld>
             <a:endParaRPr lang="en-GB"/>
           </a:p>
@@ -1836,7 +1831,7 @@
           <a:p>
             <a:fld id="{3B43BD2E-2AFB-42A2-94A3-6F271528AE67}" type="datetimeFigureOut">
               <a:rPr lang="en-GB" smtClean="0"/>
-              <a:t>18/03/2022</a:t>
+              <a:t>06/04/2022</a:t>
             </a:fld>
             <a:endParaRPr lang="en-GB"/>
           </a:p>
@@ -1978,7 +1973,7 @@
           <a:p>
             <a:fld id="{3B43BD2E-2AFB-42A2-94A3-6F271528AE67}" type="datetimeFigureOut">
               <a:rPr lang="en-GB" smtClean="0"/>
-              <a:t>18/03/2022</a:t>
+              <a:t>06/04/2022</a:t>
             </a:fld>
             <a:endParaRPr lang="en-GB"/>
           </a:p>
@@ -2091,7 +2086,7 @@
           <a:p>
             <a:fld id="{3B43BD2E-2AFB-42A2-94A3-6F271528AE67}" type="datetimeFigureOut">
               <a:rPr lang="en-GB" smtClean="0"/>
-              <a:t>18/03/2022</a:t>
+              <a:t>06/04/2022</a:t>
             </a:fld>
             <a:endParaRPr lang="en-GB"/>
           </a:p>
@@ -2404,7 +2399,7 @@
           <a:p>
             <a:fld id="{3B43BD2E-2AFB-42A2-94A3-6F271528AE67}" type="datetimeFigureOut">
               <a:rPr lang="en-GB" smtClean="0"/>
-              <a:t>18/03/2022</a:t>
+              <a:t>06/04/2022</a:t>
             </a:fld>
             <a:endParaRPr lang="en-GB"/>
           </a:p>
@@ -2693,7 +2688,7 @@
           <a:p>
             <a:fld id="{3B43BD2E-2AFB-42A2-94A3-6F271528AE67}" type="datetimeFigureOut">
               <a:rPr lang="en-GB" smtClean="0"/>
-              <a:t>18/03/2022</a:t>
+              <a:t>06/04/2022</a:t>
             </a:fld>
             <a:endParaRPr lang="en-GB"/>
           </a:p>
@@ -2936,7 +2931,7 @@
           <a:p>
             <a:fld id="{3B43BD2E-2AFB-42A2-94A3-6F271528AE67}" type="datetimeFigureOut">
               <a:rPr lang="en-GB" smtClean="0"/>
-              <a:t>18/03/2022</a:t>
+              <a:t>06/04/2022</a:t>
             </a:fld>
             <a:endParaRPr lang="en-GB"/>
           </a:p>
@@ -3403,8 +3398,8 @@
         </p:nvSpPr>
         <p:spPr>
           <a:xfrm rot="16200000">
-            <a:off x="3355794" y="855445"/>
-            <a:ext cx="1114409" cy="246221"/>
+            <a:off x="3820941" y="806443"/>
+            <a:ext cx="433132" cy="246221"/>
           </a:xfrm>
           <a:prstGeom prst="rect">
             <a:avLst/>
@@ -3423,7 +3418,7 @@
                 <a:latin typeface="Arial" panose="020B0604020202020204" pitchFamily="34" charset="0"/>
                 <a:cs typeface="Arial" panose="020B0604020202020204" pitchFamily="34" charset="0"/>
               </a:rPr>
-              <a:t>Pilot Experiment</a:t>
+              <a:t>Pilot</a:t>
             </a:r>
           </a:p>
         </p:txBody>
@@ -3442,8 +3437,8 @@
         </p:nvSpPr>
         <p:spPr>
           <a:xfrm rot="16200000">
-            <a:off x="3444762" y="2399507"/>
-            <a:ext cx="936475" cy="246221"/>
+            <a:off x="3778675" y="2399506"/>
+            <a:ext cx="545342" cy="246221"/>
           </a:xfrm>
           <a:prstGeom prst="rect">
             <a:avLst/>
@@ -3462,7 +3457,7 @@
                 <a:latin typeface="Arial" panose="020B0604020202020204" pitchFamily="34" charset="0"/>
                 <a:cs typeface="Arial" panose="020B0604020202020204" pitchFamily="34" charset="0"/>
               </a:rPr>
-              <a:t>Experiment 1</a:t>
+              <a:t>Exp. 1</a:t>
             </a:r>
           </a:p>
         </p:txBody>
@@ -3481,8 +3476,8 @@
         </p:nvSpPr>
         <p:spPr>
           <a:xfrm rot="16200000">
-            <a:off x="3414366" y="4083942"/>
-            <a:ext cx="1007007" cy="246221"/>
+            <a:off x="3746362" y="4083939"/>
+            <a:ext cx="615874" cy="246221"/>
           </a:xfrm>
           <a:prstGeom prst="rect">
             <a:avLst/>
@@ -3501,7 +3496,7 @@
                 <a:latin typeface="Arial" panose="020B0604020202020204" pitchFamily="34" charset="0"/>
                 <a:cs typeface="Arial" panose="020B0604020202020204" pitchFamily="34" charset="0"/>
               </a:rPr>
-              <a:t>Experiment 2a</a:t>
+              <a:t>Exp. 2a</a:t>
             </a:r>
           </a:p>
         </p:txBody>
@@ -3520,8 +3515,8 @@
         </p:nvSpPr>
         <p:spPr>
           <a:xfrm rot="16200000">
-            <a:off x="3409494" y="5672118"/>
-            <a:ext cx="1007007" cy="246221"/>
+            <a:off x="3743410" y="5672118"/>
+            <a:ext cx="615874" cy="246221"/>
           </a:xfrm>
           <a:prstGeom prst="rect">
             <a:avLst/>
@@ -3540,7 +3535,7 @@
                 <a:latin typeface="Arial" panose="020B0604020202020204" pitchFamily="34" charset="0"/>
                 <a:cs typeface="Arial" panose="020B0604020202020204" pitchFamily="34" charset="0"/>
               </a:rPr>
-              <a:t>Experiment 2b</a:t>
+              <a:t>Exp. 2b</a:t>
             </a:r>
           </a:p>
         </p:txBody>
@@ -3548,7 +3543,7 @@
     </p:spTree>
     <p:extLst>
       <p:ext uri="{BB962C8B-B14F-4D97-AF65-F5344CB8AC3E}">
-        <p14:creationId xmlns:p14="http://schemas.microsoft.com/office/powerpoint/2010/main" val="2739449327"/>
+        <p14:creationId xmlns:p14="http://schemas.microsoft.com/office/powerpoint/2010/main" val="3014265680"/>
       </p:ext>
     </p:extLst>
   </p:cSld>
@@ -3575,228 +3570,6 @@
           <a:chExt cx="0" cy="0"/>
         </a:xfrm>
       </p:grpSpPr>
-      <p:pic>
-        <p:nvPicPr>
-          <p:cNvPr id="5" name="Picture 4" descr="Graphical user interface, chart, application&#10;&#10;Description automatically generated">
-            <a:extLst>
-              <a:ext uri="{FF2B5EF4-FFF2-40B4-BE49-F238E27FC236}">
-                <a16:creationId xmlns:a16="http://schemas.microsoft.com/office/drawing/2014/main" id="{38DBDF3F-F2F1-4B0E-AB33-BD60D876F1EC}"/>
-              </a:ext>
-            </a:extLst>
-          </p:cNvPr>
-          <p:cNvPicPr>
-            <a:picLocks noChangeAspect="1"/>
-          </p:cNvPicPr>
-          <p:nvPr/>
-        </p:nvPicPr>
-        <p:blipFill>
-          <a:blip r:embed="rId2">
-            <a:extLst>
-              <a:ext uri="{28A0092B-C50C-407E-A947-70E740481C1C}">
-                <a14:useLocalDpi xmlns:a14="http://schemas.microsoft.com/office/drawing/2010/main" val="0"/>
-              </a:ext>
-            </a:extLst>
-          </a:blip>
-          <a:stretch>
-            <a:fillRect/>
-          </a:stretch>
-        </p:blipFill>
-        <p:spPr>
-          <a:xfrm>
-            <a:off x="4116320" y="190493"/>
-            <a:ext cx="3959360" cy="6477013"/>
-          </a:xfrm>
-          <a:prstGeom prst="rect">
-            <a:avLst/>
-          </a:prstGeom>
-        </p:spPr>
-      </p:pic>
-      <p:sp>
-        <p:nvSpPr>
-          <p:cNvPr id="6" name="TextBox 5">
-            <a:extLst>
-              <a:ext uri="{FF2B5EF4-FFF2-40B4-BE49-F238E27FC236}">
-                <a16:creationId xmlns:a16="http://schemas.microsoft.com/office/drawing/2014/main" id="{BFC31877-8884-4947-A2A4-7CD5438AECA3}"/>
-              </a:ext>
-            </a:extLst>
-          </p:cNvPr>
-          <p:cNvSpPr txBox="1"/>
-          <p:nvPr/>
-        </p:nvSpPr>
-        <p:spPr>
-          <a:xfrm rot="16200000">
-            <a:off x="3810732" y="855445"/>
-            <a:ext cx="433132" cy="246221"/>
-          </a:xfrm>
-          <a:prstGeom prst="rect">
-            <a:avLst/>
-          </a:prstGeom>
-          <a:noFill/>
-        </p:spPr>
-        <p:txBody>
-          <a:bodyPr wrap="none" rtlCol="0">
-            <a:spAutoFit/>
-          </a:bodyPr>
-          <a:lstStyle/>
-          <a:p>
-            <a:pPr algn="ctr"/>
-            <a:r>
-              <a:rPr lang="en-GB" sz="1000" dirty="0">
-                <a:latin typeface="Arial" panose="020B0604020202020204" pitchFamily="34" charset="0"/>
-                <a:cs typeface="Arial" panose="020B0604020202020204" pitchFamily="34" charset="0"/>
-              </a:rPr>
-              <a:t>Pilot</a:t>
-            </a:r>
-          </a:p>
-        </p:txBody>
-      </p:sp>
-      <p:sp>
-        <p:nvSpPr>
-          <p:cNvPr id="7" name="TextBox 6">
-            <a:extLst>
-              <a:ext uri="{FF2B5EF4-FFF2-40B4-BE49-F238E27FC236}">
-                <a16:creationId xmlns:a16="http://schemas.microsoft.com/office/drawing/2014/main" id="{C52E5266-4AA3-401A-943C-13B0F3891C41}"/>
-              </a:ext>
-            </a:extLst>
-          </p:cNvPr>
-          <p:cNvSpPr txBox="1"/>
-          <p:nvPr/>
-        </p:nvSpPr>
-        <p:spPr>
-          <a:xfrm rot="16200000">
-            <a:off x="3754628" y="2399507"/>
-            <a:ext cx="545342" cy="246221"/>
-          </a:xfrm>
-          <a:prstGeom prst="rect">
-            <a:avLst/>
-          </a:prstGeom>
-          <a:noFill/>
-        </p:spPr>
-        <p:txBody>
-          <a:bodyPr wrap="none" rtlCol="0">
-            <a:spAutoFit/>
-          </a:bodyPr>
-          <a:lstStyle/>
-          <a:p>
-            <a:pPr algn="ctr"/>
-            <a:r>
-              <a:rPr lang="en-GB" sz="1000" dirty="0">
-                <a:latin typeface="Arial" panose="020B0604020202020204" pitchFamily="34" charset="0"/>
-                <a:cs typeface="Arial" panose="020B0604020202020204" pitchFamily="34" charset="0"/>
-              </a:rPr>
-              <a:t>Exp. 1</a:t>
-            </a:r>
-          </a:p>
-        </p:txBody>
-      </p:sp>
-      <p:sp>
-        <p:nvSpPr>
-          <p:cNvPr id="8" name="TextBox 7">
-            <a:extLst>
-              <a:ext uri="{FF2B5EF4-FFF2-40B4-BE49-F238E27FC236}">
-                <a16:creationId xmlns:a16="http://schemas.microsoft.com/office/drawing/2014/main" id="{A1CADEF1-406E-4DD0-A530-6B91E7D99925}"/>
-              </a:ext>
-            </a:extLst>
-          </p:cNvPr>
-          <p:cNvSpPr txBox="1"/>
-          <p:nvPr/>
-        </p:nvSpPr>
-        <p:spPr>
-          <a:xfrm rot="16200000">
-            <a:off x="3724233" y="4083942"/>
-            <a:ext cx="615874" cy="246221"/>
-          </a:xfrm>
-          <a:prstGeom prst="rect">
-            <a:avLst/>
-          </a:prstGeom>
-          <a:noFill/>
-        </p:spPr>
-        <p:txBody>
-          <a:bodyPr wrap="none" rtlCol="0">
-            <a:spAutoFit/>
-          </a:bodyPr>
-          <a:lstStyle/>
-          <a:p>
-            <a:pPr algn="ctr"/>
-            <a:r>
-              <a:rPr lang="en-GB" sz="1000" dirty="0">
-                <a:latin typeface="Arial" panose="020B0604020202020204" pitchFamily="34" charset="0"/>
-                <a:cs typeface="Arial" panose="020B0604020202020204" pitchFamily="34" charset="0"/>
-              </a:rPr>
-              <a:t>Exp. 2a</a:t>
-            </a:r>
-          </a:p>
-        </p:txBody>
-      </p:sp>
-      <p:sp>
-        <p:nvSpPr>
-          <p:cNvPr id="9" name="TextBox 8">
-            <a:extLst>
-              <a:ext uri="{FF2B5EF4-FFF2-40B4-BE49-F238E27FC236}">
-                <a16:creationId xmlns:a16="http://schemas.microsoft.com/office/drawing/2014/main" id="{36CBB0AC-269C-4B2C-90CE-0858B523966C}"/>
-              </a:ext>
-            </a:extLst>
-          </p:cNvPr>
-          <p:cNvSpPr txBox="1"/>
-          <p:nvPr/>
-        </p:nvSpPr>
-        <p:spPr>
-          <a:xfrm rot="16200000">
-            <a:off x="3719361" y="5672118"/>
-            <a:ext cx="615874" cy="246221"/>
-          </a:xfrm>
-          <a:prstGeom prst="rect">
-            <a:avLst/>
-          </a:prstGeom>
-          <a:noFill/>
-        </p:spPr>
-        <p:txBody>
-          <a:bodyPr wrap="none" rtlCol="0">
-            <a:spAutoFit/>
-          </a:bodyPr>
-          <a:lstStyle/>
-          <a:p>
-            <a:pPr algn="ctr"/>
-            <a:r>
-              <a:rPr lang="en-GB" sz="1000" dirty="0">
-                <a:latin typeface="Arial" panose="020B0604020202020204" pitchFamily="34" charset="0"/>
-                <a:cs typeface="Arial" panose="020B0604020202020204" pitchFamily="34" charset="0"/>
-              </a:rPr>
-              <a:t>Exp. 2b</a:t>
-            </a:r>
-          </a:p>
-        </p:txBody>
-      </p:sp>
-    </p:spTree>
-    <p:extLst>
-      <p:ext uri="{BB962C8B-B14F-4D97-AF65-F5344CB8AC3E}">
-        <p14:creationId xmlns:p14="http://schemas.microsoft.com/office/powerpoint/2010/main" val="3014265680"/>
-      </p:ext>
-    </p:extLst>
-  </p:cSld>
-  <p:clrMapOvr>
-    <a:masterClrMapping/>
-  </p:clrMapOvr>
-</p:sld>
-</file>
-
-<file path=ppt/slides/slide3.xml><?xml version="1.0" encoding="utf-8"?>
-<p:sld xmlns:a="http://schemas.openxmlformats.org/drawingml/2006/main" xmlns:r="http://schemas.openxmlformats.org/officeDocument/2006/relationships" xmlns:p="http://schemas.openxmlformats.org/presentationml/2006/main">
-  <p:cSld>
-    <p:spTree>
-      <p:nvGrpSpPr>
-        <p:cNvPr id="1" name=""/>
-        <p:cNvGrpSpPr/>
-        <p:nvPr/>
-      </p:nvGrpSpPr>
-      <p:grpSpPr>
-        <a:xfrm>
-          <a:off x="0" y="0"/>
-          <a:ext cx="0" cy="0"/>
-          <a:chOff x="0" y="0"/>
-          <a:chExt cx="0" cy="0"/>
-        </a:xfrm>
-      </p:grpSpPr>
       <p:sp>
         <p:nvSpPr>
           <p:cNvPr id="7" name="TextBox 6">
@@ -3954,1310 +3727,6 @@
     <p:extLst>
       <p:ext uri="{BB962C8B-B14F-4D97-AF65-F5344CB8AC3E}">
         <p14:creationId xmlns:p14="http://schemas.microsoft.com/office/powerpoint/2010/main" val="3090350584"/>
-      </p:ext>
-    </p:extLst>
-  </p:cSld>
-  <p:clrMapOvr>
-    <a:masterClrMapping/>
-  </p:clrMapOvr>
-</p:sld>
-</file>
-
-<file path=ppt/slides/slide4.xml><?xml version="1.0" encoding="utf-8"?>
-<p:sld xmlns:a="http://schemas.openxmlformats.org/drawingml/2006/main" xmlns:r="http://schemas.openxmlformats.org/officeDocument/2006/relationships" xmlns:p="http://schemas.openxmlformats.org/presentationml/2006/main">
-  <p:cSld>
-    <p:spTree>
-      <p:nvGrpSpPr>
-        <p:cNvPr id="1" name=""/>
-        <p:cNvGrpSpPr/>
-        <p:nvPr/>
-      </p:nvGrpSpPr>
-      <p:grpSpPr>
-        <a:xfrm>
-          <a:off x="0" y="0"/>
-          <a:ext cx="0" cy="0"/>
-          <a:chOff x="0" y="0"/>
-          <a:chExt cx="0" cy="0"/>
-        </a:xfrm>
-      </p:grpSpPr>
-      <p:pic>
-        <p:nvPicPr>
-          <p:cNvPr id="5" name="Picture 4" descr="Graphical user interface, chart, application&#10;&#10;Description automatically generated">
-            <a:extLst>
-              <a:ext uri="{FF2B5EF4-FFF2-40B4-BE49-F238E27FC236}">
-                <a16:creationId xmlns:a16="http://schemas.microsoft.com/office/drawing/2014/main" id="{38DBDF3F-F2F1-4B0E-AB33-BD60D876F1EC}"/>
-              </a:ext>
-            </a:extLst>
-          </p:cNvPr>
-          <p:cNvPicPr>
-            <a:picLocks noChangeAspect="1"/>
-          </p:cNvPicPr>
-          <p:nvPr/>
-        </p:nvPicPr>
-        <p:blipFill>
-          <a:blip r:embed="rId2">
-            <a:extLst>
-              <a:ext uri="{28A0092B-C50C-407E-A947-70E740481C1C}">
-                <a14:useLocalDpi xmlns:a14="http://schemas.microsoft.com/office/drawing/2010/main" val="0"/>
-              </a:ext>
-            </a:extLst>
-          </a:blip>
-          <a:stretch>
-            <a:fillRect/>
-          </a:stretch>
-        </p:blipFill>
-        <p:spPr>
-          <a:xfrm>
-            <a:off x="4116320" y="190493"/>
-            <a:ext cx="3959360" cy="6477013"/>
-          </a:xfrm>
-          <a:prstGeom prst="rect">
-            <a:avLst/>
-          </a:prstGeom>
-        </p:spPr>
-      </p:pic>
-      <p:sp>
-        <p:nvSpPr>
-          <p:cNvPr id="2" name="Rectangle 1">
-            <a:extLst>
-              <a:ext uri="{FF2B5EF4-FFF2-40B4-BE49-F238E27FC236}">
-                <a16:creationId xmlns:a16="http://schemas.microsoft.com/office/drawing/2014/main" id="{A2C3188E-C4F4-46FD-B5F2-8D89043615FF}"/>
-              </a:ext>
-            </a:extLst>
-          </p:cNvPr>
-          <p:cNvSpPr/>
-          <p:nvPr/>
-        </p:nvSpPr>
-        <p:spPr>
-          <a:xfrm>
-            <a:off x="8004342" y="447173"/>
-            <a:ext cx="189063" cy="1013962"/>
-          </a:xfrm>
-          <a:prstGeom prst="rect">
-            <a:avLst/>
-          </a:prstGeom>
-          <a:solidFill>
-            <a:srgbClr val="D9D9D9"/>
-          </a:solidFill>
-          <a:ln>
-            <a:noFill/>
-          </a:ln>
-        </p:spPr>
-        <p:style>
-          <a:lnRef idx="2">
-            <a:schemeClr val="accent1">
-              <a:shade val="50000"/>
-            </a:schemeClr>
-          </a:lnRef>
-          <a:fillRef idx="1">
-            <a:schemeClr val="accent1"/>
-          </a:fillRef>
-          <a:effectRef idx="0">
-            <a:schemeClr val="accent1"/>
-          </a:effectRef>
-          <a:fontRef idx="minor">
-            <a:schemeClr val="lt1"/>
-          </a:fontRef>
-        </p:style>
-        <p:txBody>
-          <a:bodyPr rtlCol="0" anchor="ctr"/>
-          <a:lstStyle/>
-          <a:p>
-            <a:pPr algn="ctr"/>
-            <a:endParaRPr lang="en-GB"/>
-          </a:p>
-        </p:txBody>
-      </p:sp>
-      <p:sp>
-        <p:nvSpPr>
-          <p:cNvPr id="6" name="TextBox 5">
-            <a:extLst>
-              <a:ext uri="{FF2B5EF4-FFF2-40B4-BE49-F238E27FC236}">
-                <a16:creationId xmlns:a16="http://schemas.microsoft.com/office/drawing/2014/main" id="{BFC31877-8884-4947-A2A4-7CD5438AECA3}"/>
-              </a:ext>
-            </a:extLst>
-          </p:cNvPr>
-          <p:cNvSpPr txBox="1"/>
-          <p:nvPr/>
-        </p:nvSpPr>
-        <p:spPr>
-          <a:xfrm rot="16200000">
-            <a:off x="7529361" y="831044"/>
-            <a:ext cx="1114409" cy="246221"/>
-          </a:xfrm>
-          <a:prstGeom prst="rect">
-            <a:avLst/>
-          </a:prstGeom>
-          <a:noFill/>
-        </p:spPr>
-        <p:txBody>
-          <a:bodyPr wrap="none" rtlCol="0">
-            <a:spAutoFit/>
-          </a:bodyPr>
-          <a:lstStyle/>
-          <a:p>
-            <a:pPr algn="ctr"/>
-            <a:r>
-              <a:rPr lang="en-GB" sz="1000" dirty="0">
-                <a:latin typeface="Arial" panose="020B0604020202020204" pitchFamily="34" charset="0"/>
-                <a:cs typeface="Arial" panose="020B0604020202020204" pitchFamily="34" charset="0"/>
-              </a:rPr>
-              <a:t>Pilot Experiment</a:t>
-            </a:r>
-          </a:p>
-        </p:txBody>
-      </p:sp>
-      <p:sp>
-        <p:nvSpPr>
-          <p:cNvPr id="12" name="Rectangle 11">
-            <a:extLst>
-              <a:ext uri="{FF2B5EF4-FFF2-40B4-BE49-F238E27FC236}">
-                <a16:creationId xmlns:a16="http://schemas.microsoft.com/office/drawing/2014/main" id="{796D9FF1-A848-46C3-B176-67D093D49FCC}"/>
-              </a:ext>
-            </a:extLst>
-          </p:cNvPr>
-          <p:cNvSpPr/>
-          <p:nvPr/>
-        </p:nvSpPr>
-        <p:spPr>
-          <a:xfrm>
-            <a:off x="8004342" y="2063702"/>
-            <a:ext cx="189063" cy="1013962"/>
-          </a:xfrm>
-          <a:prstGeom prst="rect">
-            <a:avLst/>
-          </a:prstGeom>
-          <a:solidFill>
-            <a:srgbClr val="D9D9D9"/>
-          </a:solidFill>
-          <a:ln>
-            <a:noFill/>
-          </a:ln>
-        </p:spPr>
-        <p:style>
-          <a:lnRef idx="2">
-            <a:schemeClr val="accent1">
-              <a:shade val="50000"/>
-            </a:schemeClr>
-          </a:lnRef>
-          <a:fillRef idx="1">
-            <a:schemeClr val="accent1"/>
-          </a:fillRef>
-          <a:effectRef idx="0">
-            <a:schemeClr val="accent1"/>
-          </a:effectRef>
-          <a:fontRef idx="minor">
-            <a:schemeClr val="lt1"/>
-          </a:fontRef>
-        </p:style>
-        <p:txBody>
-          <a:bodyPr rtlCol="0" anchor="ctr"/>
-          <a:lstStyle/>
-          <a:p>
-            <a:pPr algn="ctr"/>
-            <a:endParaRPr lang="en-GB"/>
-          </a:p>
-        </p:txBody>
-      </p:sp>
-      <p:sp>
-        <p:nvSpPr>
-          <p:cNvPr id="14" name="Rectangle 13">
-            <a:extLst>
-              <a:ext uri="{FF2B5EF4-FFF2-40B4-BE49-F238E27FC236}">
-                <a16:creationId xmlns:a16="http://schemas.microsoft.com/office/drawing/2014/main" id="{6A8A6CE6-3963-47F4-87FD-F6A70AC352FE}"/>
-              </a:ext>
-            </a:extLst>
-          </p:cNvPr>
-          <p:cNvSpPr/>
-          <p:nvPr/>
-        </p:nvSpPr>
-        <p:spPr>
-          <a:xfrm>
-            <a:off x="8004341" y="3680231"/>
-            <a:ext cx="189063" cy="1013962"/>
-          </a:xfrm>
-          <a:prstGeom prst="rect">
-            <a:avLst/>
-          </a:prstGeom>
-          <a:solidFill>
-            <a:srgbClr val="D9D9D9"/>
-          </a:solidFill>
-          <a:ln>
-            <a:noFill/>
-          </a:ln>
-        </p:spPr>
-        <p:style>
-          <a:lnRef idx="2">
-            <a:schemeClr val="accent1">
-              <a:shade val="50000"/>
-            </a:schemeClr>
-          </a:lnRef>
-          <a:fillRef idx="1">
-            <a:schemeClr val="accent1"/>
-          </a:fillRef>
-          <a:effectRef idx="0">
-            <a:schemeClr val="accent1"/>
-          </a:effectRef>
-          <a:fontRef idx="minor">
-            <a:schemeClr val="lt1"/>
-          </a:fontRef>
-        </p:style>
-        <p:txBody>
-          <a:bodyPr rtlCol="0" anchor="ctr"/>
-          <a:lstStyle/>
-          <a:p>
-            <a:pPr algn="ctr"/>
-            <a:endParaRPr lang="en-GB"/>
-          </a:p>
-        </p:txBody>
-      </p:sp>
-      <p:sp>
-        <p:nvSpPr>
-          <p:cNvPr id="15" name="Rectangle 14">
-            <a:extLst>
-              <a:ext uri="{FF2B5EF4-FFF2-40B4-BE49-F238E27FC236}">
-                <a16:creationId xmlns:a16="http://schemas.microsoft.com/office/drawing/2014/main" id="{C4A1A957-C5A1-4D65-99AD-B65C7EFD2861}"/>
-              </a:ext>
-            </a:extLst>
-          </p:cNvPr>
-          <p:cNvSpPr/>
-          <p:nvPr/>
-        </p:nvSpPr>
-        <p:spPr>
-          <a:xfrm>
-            <a:off x="8004340" y="5296760"/>
-            <a:ext cx="189063" cy="1013962"/>
-          </a:xfrm>
-          <a:prstGeom prst="rect">
-            <a:avLst/>
-          </a:prstGeom>
-          <a:solidFill>
-            <a:srgbClr val="D9D9D9"/>
-          </a:solidFill>
-          <a:ln>
-            <a:noFill/>
-          </a:ln>
-        </p:spPr>
-        <p:style>
-          <a:lnRef idx="2">
-            <a:schemeClr val="accent1">
-              <a:shade val="50000"/>
-            </a:schemeClr>
-          </a:lnRef>
-          <a:fillRef idx="1">
-            <a:schemeClr val="accent1"/>
-          </a:fillRef>
-          <a:effectRef idx="0">
-            <a:schemeClr val="accent1"/>
-          </a:effectRef>
-          <a:fontRef idx="minor">
-            <a:schemeClr val="lt1"/>
-          </a:fontRef>
-        </p:style>
-        <p:txBody>
-          <a:bodyPr rtlCol="0" anchor="ctr"/>
-          <a:lstStyle/>
-          <a:p>
-            <a:pPr algn="ctr"/>
-            <a:endParaRPr lang="en-GB"/>
-          </a:p>
-        </p:txBody>
-      </p:sp>
-      <p:sp>
-        <p:nvSpPr>
-          <p:cNvPr id="7" name="TextBox 6">
-            <a:extLst>
-              <a:ext uri="{FF2B5EF4-FFF2-40B4-BE49-F238E27FC236}">
-                <a16:creationId xmlns:a16="http://schemas.microsoft.com/office/drawing/2014/main" id="{C52E5266-4AA3-401A-943C-13B0F3891C41}"/>
-              </a:ext>
-            </a:extLst>
-          </p:cNvPr>
-          <p:cNvSpPr txBox="1"/>
-          <p:nvPr/>
-        </p:nvSpPr>
-        <p:spPr>
-          <a:xfrm rot="16200000">
-            <a:off x="7618328" y="2447572"/>
-            <a:ext cx="936475" cy="246221"/>
-          </a:xfrm>
-          <a:prstGeom prst="rect">
-            <a:avLst/>
-          </a:prstGeom>
-          <a:noFill/>
-        </p:spPr>
-        <p:txBody>
-          <a:bodyPr wrap="none" rtlCol="0">
-            <a:spAutoFit/>
-          </a:bodyPr>
-          <a:lstStyle/>
-          <a:p>
-            <a:pPr algn="ctr"/>
-            <a:r>
-              <a:rPr lang="en-GB" sz="1000" dirty="0">
-                <a:latin typeface="Arial" panose="020B0604020202020204" pitchFamily="34" charset="0"/>
-                <a:cs typeface="Arial" panose="020B0604020202020204" pitchFamily="34" charset="0"/>
-              </a:rPr>
-              <a:t>Experiment 1</a:t>
-            </a:r>
-          </a:p>
-        </p:txBody>
-      </p:sp>
-      <p:sp>
-        <p:nvSpPr>
-          <p:cNvPr id="8" name="TextBox 7">
-            <a:extLst>
-              <a:ext uri="{FF2B5EF4-FFF2-40B4-BE49-F238E27FC236}">
-                <a16:creationId xmlns:a16="http://schemas.microsoft.com/office/drawing/2014/main" id="{A1CADEF1-406E-4DD0-A530-6B91E7D99925}"/>
-              </a:ext>
-            </a:extLst>
-          </p:cNvPr>
-          <p:cNvSpPr txBox="1"/>
-          <p:nvPr/>
-        </p:nvSpPr>
-        <p:spPr>
-          <a:xfrm rot="16200000">
-            <a:off x="7583062" y="4083473"/>
-            <a:ext cx="1007007" cy="246221"/>
-          </a:xfrm>
-          <a:prstGeom prst="rect">
-            <a:avLst/>
-          </a:prstGeom>
-          <a:noFill/>
-        </p:spPr>
-        <p:txBody>
-          <a:bodyPr wrap="none" rtlCol="0">
-            <a:spAutoFit/>
-          </a:bodyPr>
-          <a:lstStyle/>
-          <a:p>
-            <a:pPr algn="ctr"/>
-            <a:r>
-              <a:rPr lang="en-GB" sz="1000" dirty="0">
-                <a:latin typeface="Arial" panose="020B0604020202020204" pitchFamily="34" charset="0"/>
-                <a:cs typeface="Arial" panose="020B0604020202020204" pitchFamily="34" charset="0"/>
-              </a:rPr>
-              <a:t>Experiment 2a</a:t>
-            </a:r>
-          </a:p>
-        </p:txBody>
-      </p:sp>
-      <p:sp>
-        <p:nvSpPr>
-          <p:cNvPr id="9" name="TextBox 8">
-            <a:extLst>
-              <a:ext uri="{FF2B5EF4-FFF2-40B4-BE49-F238E27FC236}">
-                <a16:creationId xmlns:a16="http://schemas.microsoft.com/office/drawing/2014/main" id="{36CBB0AC-269C-4B2C-90CE-0858B523966C}"/>
-              </a:ext>
-            </a:extLst>
-          </p:cNvPr>
-          <p:cNvSpPr txBox="1"/>
-          <p:nvPr/>
-        </p:nvSpPr>
-        <p:spPr>
-          <a:xfrm rot="16200000">
-            <a:off x="7589924" y="5684108"/>
-            <a:ext cx="1007007" cy="246221"/>
-          </a:xfrm>
-          <a:prstGeom prst="rect">
-            <a:avLst/>
-          </a:prstGeom>
-          <a:noFill/>
-        </p:spPr>
-        <p:txBody>
-          <a:bodyPr wrap="none" rtlCol="0">
-            <a:spAutoFit/>
-          </a:bodyPr>
-          <a:lstStyle/>
-          <a:p>
-            <a:pPr algn="ctr"/>
-            <a:r>
-              <a:rPr lang="en-GB" sz="1000" dirty="0">
-                <a:latin typeface="Arial" panose="020B0604020202020204" pitchFamily="34" charset="0"/>
-                <a:cs typeface="Arial" panose="020B0604020202020204" pitchFamily="34" charset="0"/>
-              </a:rPr>
-              <a:t>Experiment 2b</a:t>
-            </a:r>
-          </a:p>
-        </p:txBody>
-      </p:sp>
-    </p:spTree>
-    <p:extLst>
-      <p:ext uri="{BB962C8B-B14F-4D97-AF65-F5344CB8AC3E}">
-        <p14:creationId xmlns:p14="http://schemas.microsoft.com/office/powerpoint/2010/main" val="689366712"/>
-      </p:ext>
-    </p:extLst>
-  </p:cSld>
-  <p:clrMapOvr>
-    <a:masterClrMapping/>
-  </p:clrMapOvr>
-</p:sld>
-</file>
-
-<file path=ppt/slides/slide5.xml><?xml version="1.0" encoding="utf-8"?>
-<p:sld xmlns:a="http://schemas.openxmlformats.org/drawingml/2006/main" xmlns:r="http://schemas.openxmlformats.org/officeDocument/2006/relationships" xmlns:p="http://schemas.openxmlformats.org/presentationml/2006/main">
-  <p:cSld>
-    <p:spTree>
-      <p:nvGrpSpPr>
-        <p:cNvPr id="1" name=""/>
-        <p:cNvGrpSpPr/>
-        <p:nvPr/>
-      </p:nvGrpSpPr>
-      <p:grpSpPr>
-        <a:xfrm>
-          <a:off x="0" y="0"/>
-          <a:ext cx="0" cy="0"/>
-          <a:chOff x="0" y="0"/>
-          <a:chExt cx="0" cy="0"/>
-        </a:xfrm>
-      </p:grpSpPr>
-      <p:pic>
-        <p:nvPicPr>
-          <p:cNvPr id="5" name="Picture 4" descr="Graphical user interface, chart, application&#10;&#10;Description automatically generated">
-            <a:extLst>
-              <a:ext uri="{FF2B5EF4-FFF2-40B4-BE49-F238E27FC236}">
-                <a16:creationId xmlns:a16="http://schemas.microsoft.com/office/drawing/2014/main" id="{38DBDF3F-F2F1-4B0E-AB33-BD60D876F1EC}"/>
-              </a:ext>
-            </a:extLst>
-          </p:cNvPr>
-          <p:cNvPicPr>
-            <a:picLocks noChangeAspect="1"/>
-          </p:cNvPicPr>
-          <p:nvPr/>
-        </p:nvPicPr>
-        <p:blipFill>
-          <a:blip r:embed="rId2">
-            <a:extLst>
-              <a:ext uri="{28A0092B-C50C-407E-A947-70E740481C1C}">
-                <a14:useLocalDpi xmlns:a14="http://schemas.microsoft.com/office/drawing/2010/main" val="0"/>
-              </a:ext>
-            </a:extLst>
-          </a:blip>
-          <a:stretch>
-            <a:fillRect/>
-          </a:stretch>
-        </p:blipFill>
-        <p:spPr>
-          <a:xfrm>
-            <a:off x="4116320" y="190493"/>
-            <a:ext cx="3959360" cy="6477013"/>
-          </a:xfrm>
-          <a:prstGeom prst="rect">
-            <a:avLst/>
-          </a:prstGeom>
-        </p:spPr>
-      </p:pic>
-      <p:sp>
-        <p:nvSpPr>
-          <p:cNvPr id="6" name="TextBox 5">
-            <a:extLst>
-              <a:ext uri="{FF2B5EF4-FFF2-40B4-BE49-F238E27FC236}">
-                <a16:creationId xmlns:a16="http://schemas.microsoft.com/office/drawing/2014/main" id="{BFC31877-8884-4947-A2A4-7CD5438AECA3}"/>
-              </a:ext>
-            </a:extLst>
-          </p:cNvPr>
-          <p:cNvSpPr txBox="1"/>
-          <p:nvPr/>
-        </p:nvSpPr>
-        <p:spPr>
-          <a:xfrm>
-            <a:off x="2921699" y="780834"/>
-            <a:ext cx="1114409" cy="246221"/>
-          </a:xfrm>
-          <a:prstGeom prst="rect">
-            <a:avLst/>
-          </a:prstGeom>
-          <a:noFill/>
-        </p:spPr>
-        <p:txBody>
-          <a:bodyPr wrap="none" rtlCol="0">
-            <a:spAutoFit/>
-          </a:bodyPr>
-          <a:lstStyle/>
-          <a:p>
-            <a:pPr algn="ctr"/>
-            <a:r>
-              <a:rPr lang="en-GB" sz="1000" dirty="0">
-                <a:latin typeface="Arial" panose="020B0604020202020204" pitchFamily="34" charset="0"/>
-                <a:cs typeface="Arial" panose="020B0604020202020204" pitchFamily="34" charset="0"/>
-              </a:rPr>
-              <a:t>Pilot Experiment</a:t>
-            </a:r>
-          </a:p>
-        </p:txBody>
-      </p:sp>
-      <p:sp>
-        <p:nvSpPr>
-          <p:cNvPr id="7" name="TextBox 6">
-            <a:extLst>
-              <a:ext uri="{FF2B5EF4-FFF2-40B4-BE49-F238E27FC236}">
-                <a16:creationId xmlns:a16="http://schemas.microsoft.com/office/drawing/2014/main" id="{C52E5266-4AA3-401A-943C-13B0F3891C41}"/>
-              </a:ext>
-            </a:extLst>
-          </p:cNvPr>
-          <p:cNvSpPr txBox="1"/>
-          <p:nvPr/>
-        </p:nvSpPr>
-        <p:spPr>
-          <a:xfrm>
-            <a:off x="2999813" y="2432164"/>
-            <a:ext cx="936475" cy="246221"/>
-          </a:xfrm>
-          <a:prstGeom prst="rect">
-            <a:avLst/>
-          </a:prstGeom>
-          <a:noFill/>
-        </p:spPr>
-        <p:txBody>
-          <a:bodyPr wrap="none" rtlCol="0">
-            <a:spAutoFit/>
-          </a:bodyPr>
-          <a:lstStyle/>
-          <a:p>
-            <a:pPr algn="ctr"/>
-            <a:r>
-              <a:rPr lang="en-GB" sz="1000" dirty="0">
-                <a:latin typeface="Arial" panose="020B0604020202020204" pitchFamily="34" charset="0"/>
-                <a:cs typeface="Arial" panose="020B0604020202020204" pitchFamily="34" charset="0"/>
-              </a:rPr>
-              <a:t>Experiment 1</a:t>
-            </a:r>
-          </a:p>
-        </p:txBody>
-      </p:sp>
-      <p:sp>
-        <p:nvSpPr>
-          <p:cNvPr id="8" name="TextBox 7">
-            <a:extLst>
-              <a:ext uri="{FF2B5EF4-FFF2-40B4-BE49-F238E27FC236}">
-                <a16:creationId xmlns:a16="http://schemas.microsoft.com/office/drawing/2014/main" id="{A1CADEF1-406E-4DD0-A530-6B91E7D99925}"/>
-              </a:ext>
-            </a:extLst>
-          </p:cNvPr>
-          <p:cNvSpPr txBox="1"/>
-          <p:nvPr/>
-        </p:nvSpPr>
-        <p:spPr>
-          <a:xfrm>
-            <a:off x="2964546" y="4083494"/>
-            <a:ext cx="1007007" cy="246221"/>
-          </a:xfrm>
-          <a:prstGeom prst="rect">
-            <a:avLst/>
-          </a:prstGeom>
-          <a:noFill/>
-        </p:spPr>
-        <p:txBody>
-          <a:bodyPr wrap="none" rtlCol="0">
-            <a:spAutoFit/>
-          </a:bodyPr>
-          <a:lstStyle/>
-          <a:p>
-            <a:pPr algn="ctr"/>
-            <a:r>
-              <a:rPr lang="en-GB" sz="1000" dirty="0">
-                <a:latin typeface="Arial" panose="020B0604020202020204" pitchFamily="34" charset="0"/>
-                <a:cs typeface="Arial" panose="020B0604020202020204" pitchFamily="34" charset="0"/>
-              </a:rPr>
-              <a:t>Experiment 2a</a:t>
-            </a:r>
-          </a:p>
-        </p:txBody>
-      </p:sp>
-      <p:sp>
-        <p:nvSpPr>
-          <p:cNvPr id="9" name="TextBox 8">
-            <a:extLst>
-              <a:ext uri="{FF2B5EF4-FFF2-40B4-BE49-F238E27FC236}">
-                <a16:creationId xmlns:a16="http://schemas.microsoft.com/office/drawing/2014/main" id="{36CBB0AC-269C-4B2C-90CE-0858B523966C}"/>
-              </a:ext>
-            </a:extLst>
-          </p:cNvPr>
-          <p:cNvSpPr txBox="1"/>
-          <p:nvPr/>
-        </p:nvSpPr>
-        <p:spPr>
-          <a:xfrm>
-            <a:off x="2975399" y="5734824"/>
-            <a:ext cx="1007007" cy="246221"/>
-          </a:xfrm>
-          <a:prstGeom prst="rect">
-            <a:avLst/>
-          </a:prstGeom>
-          <a:noFill/>
-        </p:spPr>
-        <p:txBody>
-          <a:bodyPr wrap="none" rtlCol="0">
-            <a:spAutoFit/>
-          </a:bodyPr>
-          <a:lstStyle/>
-          <a:p>
-            <a:pPr algn="ctr"/>
-            <a:r>
-              <a:rPr lang="en-GB" sz="1000" dirty="0">
-                <a:latin typeface="Arial" panose="020B0604020202020204" pitchFamily="34" charset="0"/>
-                <a:cs typeface="Arial" panose="020B0604020202020204" pitchFamily="34" charset="0"/>
-              </a:rPr>
-              <a:t>Experiment 2b</a:t>
-            </a:r>
-          </a:p>
-        </p:txBody>
-      </p:sp>
-    </p:spTree>
-    <p:extLst>
-      <p:ext uri="{BB962C8B-B14F-4D97-AF65-F5344CB8AC3E}">
-        <p14:creationId xmlns:p14="http://schemas.microsoft.com/office/powerpoint/2010/main" val="568018534"/>
-      </p:ext>
-    </p:extLst>
-  </p:cSld>
-  <p:clrMapOvr>
-    <a:masterClrMapping/>
-  </p:clrMapOvr>
-</p:sld>
-</file>
-
-<file path=ppt/slides/slide6.xml><?xml version="1.0" encoding="utf-8"?>
-<p:sld xmlns:a="http://schemas.openxmlformats.org/drawingml/2006/main" xmlns:r="http://schemas.openxmlformats.org/officeDocument/2006/relationships" xmlns:p="http://schemas.openxmlformats.org/presentationml/2006/main">
-  <p:cSld>
-    <p:spTree>
-      <p:nvGrpSpPr>
-        <p:cNvPr id="1" name=""/>
-        <p:cNvGrpSpPr/>
-        <p:nvPr/>
-      </p:nvGrpSpPr>
-      <p:grpSpPr>
-        <a:xfrm>
-          <a:off x="0" y="0"/>
-          <a:ext cx="0" cy="0"/>
-          <a:chOff x="0" y="0"/>
-          <a:chExt cx="0" cy="0"/>
-        </a:xfrm>
-      </p:grpSpPr>
-      <p:sp>
-        <p:nvSpPr>
-          <p:cNvPr id="12" name="Rectangle 11">
-            <a:extLst>
-              <a:ext uri="{FF2B5EF4-FFF2-40B4-BE49-F238E27FC236}">
-                <a16:creationId xmlns:a16="http://schemas.microsoft.com/office/drawing/2014/main" id="{C7B51D3B-0F18-4181-92DF-62D85CB42B3D}"/>
-              </a:ext>
-            </a:extLst>
-          </p:cNvPr>
-          <p:cNvSpPr/>
-          <p:nvPr/>
-        </p:nvSpPr>
-        <p:spPr>
-          <a:xfrm>
-            <a:off x="2929527" y="5734824"/>
-            <a:ext cx="1114409" cy="246221"/>
-          </a:xfrm>
-          <a:prstGeom prst="rect">
-            <a:avLst/>
-          </a:prstGeom>
-          <a:solidFill>
-            <a:srgbClr val="D9D9D9"/>
-          </a:solidFill>
-          <a:ln>
-            <a:noFill/>
-          </a:ln>
-        </p:spPr>
-        <p:style>
-          <a:lnRef idx="2">
-            <a:schemeClr val="accent1">
-              <a:shade val="50000"/>
-            </a:schemeClr>
-          </a:lnRef>
-          <a:fillRef idx="1">
-            <a:schemeClr val="accent1"/>
-          </a:fillRef>
-          <a:effectRef idx="0">
-            <a:schemeClr val="accent1"/>
-          </a:effectRef>
-          <a:fontRef idx="minor">
-            <a:schemeClr val="lt1"/>
-          </a:fontRef>
-        </p:style>
-        <p:txBody>
-          <a:bodyPr rtlCol="0" anchor="ctr"/>
-          <a:lstStyle/>
-          <a:p>
-            <a:pPr algn="ctr"/>
-            <a:endParaRPr lang="en-GB"/>
-          </a:p>
-        </p:txBody>
-      </p:sp>
-      <p:sp>
-        <p:nvSpPr>
-          <p:cNvPr id="11" name="Rectangle 10">
-            <a:extLst>
-              <a:ext uri="{FF2B5EF4-FFF2-40B4-BE49-F238E27FC236}">
-                <a16:creationId xmlns:a16="http://schemas.microsoft.com/office/drawing/2014/main" id="{0E8799C8-2ADC-41E4-ACDE-9A4C91C81505}"/>
-              </a:ext>
-            </a:extLst>
-          </p:cNvPr>
-          <p:cNvSpPr/>
-          <p:nvPr/>
-        </p:nvSpPr>
-        <p:spPr>
-          <a:xfrm>
-            <a:off x="2910844" y="4084453"/>
-            <a:ext cx="1114409" cy="246221"/>
-          </a:xfrm>
-          <a:prstGeom prst="rect">
-            <a:avLst/>
-          </a:prstGeom>
-          <a:solidFill>
-            <a:srgbClr val="D9D9D9"/>
-          </a:solidFill>
-          <a:ln>
-            <a:noFill/>
-          </a:ln>
-        </p:spPr>
-        <p:style>
-          <a:lnRef idx="2">
-            <a:schemeClr val="accent1">
-              <a:shade val="50000"/>
-            </a:schemeClr>
-          </a:lnRef>
-          <a:fillRef idx="1">
-            <a:schemeClr val="accent1"/>
-          </a:fillRef>
-          <a:effectRef idx="0">
-            <a:schemeClr val="accent1"/>
-          </a:effectRef>
-          <a:fontRef idx="minor">
-            <a:schemeClr val="lt1"/>
-          </a:fontRef>
-        </p:style>
-        <p:txBody>
-          <a:bodyPr rtlCol="0" anchor="ctr"/>
-          <a:lstStyle/>
-          <a:p>
-            <a:pPr algn="ctr"/>
-            <a:endParaRPr lang="en-GB"/>
-          </a:p>
-        </p:txBody>
-      </p:sp>
-      <p:sp>
-        <p:nvSpPr>
-          <p:cNvPr id="10" name="Rectangle 9">
-            <a:extLst>
-              <a:ext uri="{FF2B5EF4-FFF2-40B4-BE49-F238E27FC236}">
-                <a16:creationId xmlns:a16="http://schemas.microsoft.com/office/drawing/2014/main" id="{97A933F6-ADC7-49F2-8A9C-8B2A69BD6C66}"/>
-              </a:ext>
-            </a:extLst>
-          </p:cNvPr>
-          <p:cNvSpPr/>
-          <p:nvPr/>
-        </p:nvSpPr>
-        <p:spPr>
-          <a:xfrm>
-            <a:off x="2910844" y="2435452"/>
-            <a:ext cx="1114409" cy="246221"/>
-          </a:xfrm>
-          <a:prstGeom prst="rect">
-            <a:avLst/>
-          </a:prstGeom>
-          <a:solidFill>
-            <a:srgbClr val="D9D9D9"/>
-          </a:solidFill>
-          <a:ln>
-            <a:noFill/>
-          </a:ln>
-        </p:spPr>
-        <p:style>
-          <a:lnRef idx="2">
-            <a:schemeClr val="accent1">
-              <a:shade val="50000"/>
-            </a:schemeClr>
-          </a:lnRef>
-          <a:fillRef idx="1">
-            <a:schemeClr val="accent1"/>
-          </a:fillRef>
-          <a:effectRef idx="0">
-            <a:schemeClr val="accent1"/>
-          </a:effectRef>
-          <a:fontRef idx="minor">
-            <a:schemeClr val="lt1"/>
-          </a:fontRef>
-        </p:style>
-        <p:txBody>
-          <a:bodyPr rtlCol="0" anchor="ctr"/>
-          <a:lstStyle/>
-          <a:p>
-            <a:pPr algn="ctr"/>
-            <a:endParaRPr lang="en-GB"/>
-          </a:p>
-        </p:txBody>
-      </p:sp>
-      <p:sp>
-        <p:nvSpPr>
-          <p:cNvPr id="2" name="Rectangle 1">
-            <a:extLst>
-              <a:ext uri="{FF2B5EF4-FFF2-40B4-BE49-F238E27FC236}">
-                <a16:creationId xmlns:a16="http://schemas.microsoft.com/office/drawing/2014/main" id="{86947803-9E41-4152-925A-8FFB2DE6BCEA}"/>
-              </a:ext>
-            </a:extLst>
-          </p:cNvPr>
-          <p:cNvSpPr/>
-          <p:nvPr/>
-        </p:nvSpPr>
-        <p:spPr>
-          <a:xfrm>
-            <a:off x="2921699" y="780834"/>
-            <a:ext cx="1114409" cy="246221"/>
-          </a:xfrm>
-          <a:prstGeom prst="rect">
-            <a:avLst/>
-          </a:prstGeom>
-          <a:solidFill>
-            <a:srgbClr val="D9D9D9"/>
-          </a:solidFill>
-          <a:ln>
-            <a:noFill/>
-          </a:ln>
-        </p:spPr>
-        <p:style>
-          <a:lnRef idx="2">
-            <a:schemeClr val="accent1">
-              <a:shade val="50000"/>
-            </a:schemeClr>
-          </a:lnRef>
-          <a:fillRef idx="1">
-            <a:schemeClr val="accent1"/>
-          </a:fillRef>
-          <a:effectRef idx="0">
-            <a:schemeClr val="accent1"/>
-          </a:effectRef>
-          <a:fontRef idx="minor">
-            <a:schemeClr val="lt1"/>
-          </a:fontRef>
-        </p:style>
-        <p:txBody>
-          <a:bodyPr rtlCol="0" anchor="ctr"/>
-          <a:lstStyle/>
-          <a:p>
-            <a:pPr algn="ctr"/>
-            <a:endParaRPr lang="en-GB"/>
-          </a:p>
-        </p:txBody>
-      </p:sp>
-      <p:pic>
-        <p:nvPicPr>
-          <p:cNvPr id="5" name="Picture 4" descr="Graphical user interface, chart, application&#10;&#10;Description automatically generated">
-            <a:extLst>
-              <a:ext uri="{FF2B5EF4-FFF2-40B4-BE49-F238E27FC236}">
-                <a16:creationId xmlns:a16="http://schemas.microsoft.com/office/drawing/2014/main" id="{38DBDF3F-F2F1-4B0E-AB33-BD60D876F1EC}"/>
-              </a:ext>
-            </a:extLst>
-          </p:cNvPr>
-          <p:cNvPicPr>
-            <a:picLocks noChangeAspect="1"/>
-          </p:cNvPicPr>
-          <p:nvPr/>
-        </p:nvPicPr>
-        <p:blipFill>
-          <a:blip r:embed="rId2">
-            <a:extLst>
-              <a:ext uri="{28A0092B-C50C-407E-A947-70E740481C1C}">
-                <a14:useLocalDpi xmlns:a14="http://schemas.microsoft.com/office/drawing/2010/main" val="0"/>
-              </a:ext>
-            </a:extLst>
-          </a:blip>
-          <a:stretch>
-            <a:fillRect/>
-          </a:stretch>
-        </p:blipFill>
-        <p:spPr>
-          <a:xfrm>
-            <a:off x="4116320" y="190493"/>
-            <a:ext cx="3959360" cy="6477013"/>
-          </a:xfrm>
-          <a:prstGeom prst="rect">
-            <a:avLst/>
-          </a:prstGeom>
-        </p:spPr>
-      </p:pic>
-      <p:sp>
-        <p:nvSpPr>
-          <p:cNvPr id="6" name="TextBox 5">
-            <a:extLst>
-              <a:ext uri="{FF2B5EF4-FFF2-40B4-BE49-F238E27FC236}">
-                <a16:creationId xmlns:a16="http://schemas.microsoft.com/office/drawing/2014/main" id="{BFC31877-8884-4947-A2A4-7CD5438AECA3}"/>
-              </a:ext>
-            </a:extLst>
-          </p:cNvPr>
-          <p:cNvSpPr txBox="1"/>
-          <p:nvPr/>
-        </p:nvSpPr>
-        <p:spPr>
-          <a:xfrm>
-            <a:off x="2921699" y="780834"/>
-            <a:ext cx="1114409" cy="246221"/>
-          </a:xfrm>
-          <a:prstGeom prst="rect">
-            <a:avLst/>
-          </a:prstGeom>
-          <a:noFill/>
-        </p:spPr>
-        <p:txBody>
-          <a:bodyPr wrap="none" rtlCol="0">
-            <a:spAutoFit/>
-          </a:bodyPr>
-          <a:lstStyle/>
-          <a:p>
-            <a:pPr algn="ctr"/>
-            <a:r>
-              <a:rPr lang="en-GB" sz="1000" dirty="0">
-                <a:latin typeface="Arial" panose="020B0604020202020204" pitchFamily="34" charset="0"/>
-                <a:cs typeface="Arial" panose="020B0604020202020204" pitchFamily="34" charset="0"/>
-              </a:rPr>
-              <a:t>Pilot Experiment</a:t>
-            </a:r>
-          </a:p>
-        </p:txBody>
-      </p:sp>
-      <p:sp>
-        <p:nvSpPr>
-          <p:cNvPr id="7" name="TextBox 6">
-            <a:extLst>
-              <a:ext uri="{FF2B5EF4-FFF2-40B4-BE49-F238E27FC236}">
-                <a16:creationId xmlns:a16="http://schemas.microsoft.com/office/drawing/2014/main" id="{C52E5266-4AA3-401A-943C-13B0F3891C41}"/>
-              </a:ext>
-            </a:extLst>
-          </p:cNvPr>
-          <p:cNvSpPr txBox="1"/>
-          <p:nvPr/>
-        </p:nvSpPr>
-        <p:spPr>
-          <a:xfrm>
-            <a:off x="2999813" y="2432164"/>
-            <a:ext cx="936475" cy="246221"/>
-          </a:xfrm>
-          <a:prstGeom prst="rect">
-            <a:avLst/>
-          </a:prstGeom>
-          <a:noFill/>
-        </p:spPr>
-        <p:txBody>
-          <a:bodyPr wrap="none" rtlCol="0">
-            <a:spAutoFit/>
-          </a:bodyPr>
-          <a:lstStyle/>
-          <a:p>
-            <a:pPr algn="ctr"/>
-            <a:r>
-              <a:rPr lang="en-GB" sz="1000" dirty="0">
-                <a:latin typeface="Arial" panose="020B0604020202020204" pitchFamily="34" charset="0"/>
-                <a:cs typeface="Arial" panose="020B0604020202020204" pitchFamily="34" charset="0"/>
-              </a:rPr>
-              <a:t>Experiment 1</a:t>
-            </a:r>
-          </a:p>
-        </p:txBody>
-      </p:sp>
-      <p:sp>
-        <p:nvSpPr>
-          <p:cNvPr id="8" name="TextBox 7">
-            <a:extLst>
-              <a:ext uri="{FF2B5EF4-FFF2-40B4-BE49-F238E27FC236}">
-                <a16:creationId xmlns:a16="http://schemas.microsoft.com/office/drawing/2014/main" id="{A1CADEF1-406E-4DD0-A530-6B91E7D99925}"/>
-              </a:ext>
-            </a:extLst>
-          </p:cNvPr>
-          <p:cNvSpPr txBox="1"/>
-          <p:nvPr/>
-        </p:nvSpPr>
-        <p:spPr>
-          <a:xfrm>
-            <a:off x="2964546" y="4083494"/>
-            <a:ext cx="1007007" cy="246221"/>
-          </a:xfrm>
-          <a:prstGeom prst="rect">
-            <a:avLst/>
-          </a:prstGeom>
-          <a:noFill/>
-        </p:spPr>
-        <p:txBody>
-          <a:bodyPr wrap="none" rtlCol="0">
-            <a:spAutoFit/>
-          </a:bodyPr>
-          <a:lstStyle/>
-          <a:p>
-            <a:pPr algn="ctr"/>
-            <a:r>
-              <a:rPr lang="en-GB" sz="1000" dirty="0">
-                <a:latin typeface="Arial" panose="020B0604020202020204" pitchFamily="34" charset="0"/>
-                <a:cs typeface="Arial" panose="020B0604020202020204" pitchFamily="34" charset="0"/>
-              </a:rPr>
-              <a:t>Experiment 2a</a:t>
-            </a:r>
-          </a:p>
-        </p:txBody>
-      </p:sp>
-      <p:sp>
-        <p:nvSpPr>
-          <p:cNvPr id="9" name="TextBox 8">
-            <a:extLst>
-              <a:ext uri="{FF2B5EF4-FFF2-40B4-BE49-F238E27FC236}">
-                <a16:creationId xmlns:a16="http://schemas.microsoft.com/office/drawing/2014/main" id="{36CBB0AC-269C-4B2C-90CE-0858B523966C}"/>
-              </a:ext>
-            </a:extLst>
-          </p:cNvPr>
-          <p:cNvSpPr txBox="1"/>
-          <p:nvPr/>
-        </p:nvSpPr>
-        <p:spPr>
-          <a:xfrm>
-            <a:off x="2975399" y="5734824"/>
-            <a:ext cx="1007007" cy="246221"/>
-          </a:xfrm>
-          <a:prstGeom prst="rect">
-            <a:avLst/>
-          </a:prstGeom>
-          <a:noFill/>
-        </p:spPr>
-        <p:txBody>
-          <a:bodyPr wrap="none" rtlCol="0">
-            <a:spAutoFit/>
-          </a:bodyPr>
-          <a:lstStyle/>
-          <a:p>
-            <a:pPr algn="ctr"/>
-            <a:r>
-              <a:rPr lang="en-GB" sz="1000" dirty="0">
-                <a:latin typeface="Arial" panose="020B0604020202020204" pitchFamily="34" charset="0"/>
-                <a:cs typeface="Arial" panose="020B0604020202020204" pitchFamily="34" charset="0"/>
-              </a:rPr>
-              <a:t>Experiment 2b</a:t>
-            </a:r>
-          </a:p>
-        </p:txBody>
-      </p:sp>
-    </p:spTree>
-    <p:extLst>
-      <p:ext uri="{BB962C8B-B14F-4D97-AF65-F5344CB8AC3E}">
-        <p14:creationId xmlns:p14="http://schemas.microsoft.com/office/powerpoint/2010/main" val="2523476218"/>
-      </p:ext>
-    </p:extLst>
-  </p:cSld>
-  <p:clrMapOvr>
-    <a:masterClrMapping/>
-  </p:clrMapOvr>
-</p:sld>
-</file>
-
-<file path=ppt/slides/slide7.xml><?xml version="1.0" encoding="utf-8"?>
-<p:sld xmlns:a="http://schemas.openxmlformats.org/drawingml/2006/main" xmlns:r="http://schemas.openxmlformats.org/officeDocument/2006/relationships" xmlns:p="http://schemas.openxmlformats.org/presentationml/2006/main">
-  <p:cSld>
-    <p:spTree>
-      <p:nvGrpSpPr>
-        <p:cNvPr id="1" name=""/>
-        <p:cNvGrpSpPr/>
-        <p:nvPr/>
-      </p:nvGrpSpPr>
-      <p:grpSpPr>
-        <a:xfrm>
-          <a:off x="0" y="0"/>
-          <a:ext cx="0" cy="0"/>
-          <a:chOff x="0" y="0"/>
-          <a:chExt cx="0" cy="0"/>
-        </a:xfrm>
-      </p:grpSpPr>
-      <p:pic>
-        <p:nvPicPr>
-          <p:cNvPr id="5" name="Picture 4" descr="Graphical user interface, chart, application&#10;&#10;Description automatically generated">
-            <a:extLst>
-              <a:ext uri="{FF2B5EF4-FFF2-40B4-BE49-F238E27FC236}">
-                <a16:creationId xmlns:a16="http://schemas.microsoft.com/office/drawing/2014/main" id="{38DBDF3F-F2F1-4B0E-AB33-BD60D876F1EC}"/>
-              </a:ext>
-            </a:extLst>
-          </p:cNvPr>
-          <p:cNvPicPr>
-            <a:picLocks noChangeAspect="1"/>
-          </p:cNvPicPr>
-          <p:nvPr/>
-        </p:nvPicPr>
-        <p:blipFill>
-          <a:blip r:embed="rId2">
-            <a:extLst>
-              <a:ext uri="{28A0092B-C50C-407E-A947-70E740481C1C}">
-                <a14:useLocalDpi xmlns:a14="http://schemas.microsoft.com/office/drawing/2010/main" val="0"/>
-              </a:ext>
-            </a:extLst>
-          </a:blip>
-          <a:stretch>
-            <a:fillRect/>
-          </a:stretch>
-        </p:blipFill>
-        <p:spPr>
-          <a:xfrm>
-            <a:off x="4116320" y="190493"/>
-            <a:ext cx="3959360" cy="6477013"/>
-          </a:xfrm>
-          <a:prstGeom prst="rect">
-            <a:avLst/>
-          </a:prstGeom>
-        </p:spPr>
-      </p:pic>
-      <p:sp>
-        <p:nvSpPr>
-          <p:cNvPr id="6" name="TextBox 5">
-            <a:extLst>
-              <a:ext uri="{FF2B5EF4-FFF2-40B4-BE49-F238E27FC236}">
-                <a16:creationId xmlns:a16="http://schemas.microsoft.com/office/drawing/2014/main" id="{BFC31877-8884-4947-A2A4-7CD5438AECA3}"/>
-              </a:ext>
-            </a:extLst>
-          </p:cNvPr>
-          <p:cNvSpPr txBox="1"/>
-          <p:nvPr/>
-        </p:nvSpPr>
-        <p:spPr>
-          <a:xfrm>
-            <a:off x="3595712" y="780834"/>
-            <a:ext cx="433132" cy="246221"/>
-          </a:xfrm>
-          <a:prstGeom prst="rect">
-            <a:avLst/>
-          </a:prstGeom>
-          <a:noFill/>
-        </p:spPr>
-        <p:txBody>
-          <a:bodyPr wrap="none" rtlCol="0">
-            <a:spAutoFit/>
-          </a:bodyPr>
-          <a:lstStyle/>
-          <a:p>
-            <a:pPr algn="ctr"/>
-            <a:r>
-              <a:rPr lang="en-GB" sz="1000" dirty="0">
-                <a:latin typeface="Arial" panose="020B0604020202020204" pitchFamily="34" charset="0"/>
-                <a:cs typeface="Arial" panose="020B0604020202020204" pitchFamily="34" charset="0"/>
-              </a:rPr>
-              <a:t>Pilot</a:t>
-            </a:r>
-          </a:p>
-        </p:txBody>
-      </p:sp>
-      <p:sp>
-        <p:nvSpPr>
-          <p:cNvPr id="7" name="TextBox 6">
-            <a:extLst>
-              <a:ext uri="{FF2B5EF4-FFF2-40B4-BE49-F238E27FC236}">
-                <a16:creationId xmlns:a16="http://schemas.microsoft.com/office/drawing/2014/main" id="{C52E5266-4AA3-401A-943C-13B0F3891C41}"/>
-              </a:ext>
-            </a:extLst>
-          </p:cNvPr>
-          <p:cNvSpPr txBox="1"/>
-          <p:nvPr/>
-        </p:nvSpPr>
-        <p:spPr>
-          <a:xfrm>
-            <a:off x="3528754" y="2432164"/>
-            <a:ext cx="545342" cy="246221"/>
-          </a:xfrm>
-          <a:prstGeom prst="rect">
-            <a:avLst/>
-          </a:prstGeom>
-          <a:noFill/>
-        </p:spPr>
-        <p:txBody>
-          <a:bodyPr wrap="none" rtlCol="0">
-            <a:spAutoFit/>
-          </a:bodyPr>
-          <a:lstStyle/>
-          <a:p>
-            <a:pPr algn="ctr"/>
-            <a:r>
-              <a:rPr lang="en-GB" sz="1000" dirty="0">
-                <a:latin typeface="Arial" panose="020B0604020202020204" pitchFamily="34" charset="0"/>
-                <a:cs typeface="Arial" panose="020B0604020202020204" pitchFamily="34" charset="0"/>
-              </a:rPr>
-              <a:t>Exp. 1</a:t>
-            </a:r>
-          </a:p>
-        </p:txBody>
-      </p:sp>
-      <p:sp>
-        <p:nvSpPr>
-          <p:cNvPr id="8" name="TextBox 7">
-            <a:extLst>
-              <a:ext uri="{FF2B5EF4-FFF2-40B4-BE49-F238E27FC236}">
-                <a16:creationId xmlns:a16="http://schemas.microsoft.com/office/drawing/2014/main" id="{A1CADEF1-406E-4DD0-A530-6B91E7D99925}"/>
-              </a:ext>
-            </a:extLst>
-          </p:cNvPr>
-          <p:cNvSpPr txBox="1"/>
-          <p:nvPr/>
-        </p:nvSpPr>
-        <p:spPr>
-          <a:xfrm>
-            <a:off x="3493488" y="4083494"/>
-            <a:ext cx="615874" cy="246221"/>
-          </a:xfrm>
-          <a:prstGeom prst="rect">
-            <a:avLst/>
-          </a:prstGeom>
-          <a:noFill/>
-        </p:spPr>
-        <p:txBody>
-          <a:bodyPr wrap="none" rtlCol="0">
-            <a:spAutoFit/>
-          </a:bodyPr>
-          <a:lstStyle/>
-          <a:p>
-            <a:pPr algn="ctr"/>
-            <a:r>
-              <a:rPr lang="en-GB" sz="1000" dirty="0">
-                <a:latin typeface="Arial" panose="020B0604020202020204" pitchFamily="34" charset="0"/>
-                <a:cs typeface="Arial" panose="020B0604020202020204" pitchFamily="34" charset="0"/>
-              </a:rPr>
-              <a:t>Exp. 2a</a:t>
-            </a:r>
-          </a:p>
-        </p:txBody>
-      </p:sp>
-      <p:sp>
-        <p:nvSpPr>
-          <p:cNvPr id="9" name="TextBox 8">
-            <a:extLst>
-              <a:ext uri="{FF2B5EF4-FFF2-40B4-BE49-F238E27FC236}">
-                <a16:creationId xmlns:a16="http://schemas.microsoft.com/office/drawing/2014/main" id="{36CBB0AC-269C-4B2C-90CE-0858B523966C}"/>
-              </a:ext>
-            </a:extLst>
-          </p:cNvPr>
-          <p:cNvSpPr txBox="1"/>
-          <p:nvPr/>
-        </p:nvSpPr>
-        <p:spPr>
-          <a:xfrm>
-            <a:off x="3504341" y="5734824"/>
-            <a:ext cx="615874" cy="246221"/>
-          </a:xfrm>
-          <a:prstGeom prst="rect">
-            <a:avLst/>
-          </a:prstGeom>
-          <a:noFill/>
-        </p:spPr>
-        <p:txBody>
-          <a:bodyPr wrap="none" rtlCol="0">
-            <a:spAutoFit/>
-          </a:bodyPr>
-          <a:lstStyle/>
-          <a:p>
-            <a:pPr algn="ctr"/>
-            <a:r>
-              <a:rPr lang="en-GB" sz="1000" dirty="0">
-                <a:latin typeface="Arial" panose="020B0604020202020204" pitchFamily="34" charset="0"/>
-                <a:cs typeface="Arial" panose="020B0604020202020204" pitchFamily="34" charset="0"/>
-              </a:rPr>
-              <a:t>Exp. 2b</a:t>
-            </a:r>
-          </a:p>
-        </p:txBody>
-      </p:sp>
-    </p:spTree>
-    <p:extLst>
-      <p:ext uri="{BB962C8B-B14F-4D97-AF65-F5344CB8AC3E}">
-        <p14:creationId xmlns:p14="http://schemas.microsoft.com/office/powerpoint/2010/main" val="1226009152"/>
       </p:ext>
     </p:extLst>
   </p:cSld>
